--- a/Later/JavaIO/JavaIO_6/Java FileOutputStream class.pptx
+++ b/Later/JavaIO/JavaIO_6/Java FileOutputStream class.pptx
@@ -195,7 +195,7 @@
           <a:p>
             <a:fld id="{62274EC6-3890-417B-9308-14EFBD00FA63}" type="datetimeFigureOut">
               <a:rPr lang="en-US" smtClean="0"/>
-              <a:t>6/14/2016</a:t>
+              <a:t>6/17/2016</a:t>
             </a:fld>
             <a:endParaRPr lang="en-US" dirty="0"/>
           </a:p>
@@ -1001,7 +1001,7 @@
             <a:fld id="{1D8BD707-D9CF-40AE-B4C6-C98DA3205C09}" type="datetimeFigureOut">
               <a:rPr lang="en-US" smtClean="0"/>
               <a:pPr/>
-              <a:t>6/14/2016</a:t>
+              <a:t>6/17/2016</a:t>
             </a:fld>
             <a:endParaRPr lang="en-US" dirty="0"/>
           </a:p>
@@ -1173,7 +1173,7 @@
             <a:fld id="{1D8BD707-D9CF-40AE-B4C6-C98DA3205C09}" type="datetimeFigureOut">
               <a:rPr lang="en-US" smtClean="0"/>
               <a:pPr/>
-              <a:t>6/14/2016</a:t>
+              <a:t>6/17/2016</a:t>
             </a:fld>
             <a:endParaRPr lang="en-US" dirty="0"/>
           </a:p>
@@ -1355,7 +1355,7 @@
             <a:fld id="{1D8BD707-D9CF-40AE-B4C6-C98DA3205C09}" type="datetimeFigureOut">
               <a:rPr lang="en-US" smtClean="0"/>
               <a:pPr/>
-              <a:t>6/14/2016</a:t>
+              <a:t>6/17/2016</a:t>
             </a:fld>
             <a:endParaRPr lang="en-US" dirty="0"/>
           </a:p>
@@ -1527,7 +1527,7 @@
             <a:fld id="{1D8BD707-D9CF-40AE-B4C6-C98DA3205C09}" type="datetimeFigureOut">
               <a:rPr lang="en-US" smtClean="0"/>
               <a:pPr/>
-              <a:t>6/14/2016</a:t>
+              <a:t>6/17/2016</a:t>
             </a:fld>
             <a:endParaRPr lang="en-US" dirty="0"/>
           </a:p>
@@ -1775,7 +1775,7 @@
             <a:fld id="{1D8BD707-D9CF-40AE-B4C6-C98DA3205C09}" type="datetimeFigureOut">
               <a:rPr lang="en-US" smtClean="0"/>
               <a:pPr/>
-              <a:t>6/14/2016</a:t>
+              <a:t>6/17/2016</a:t>
             </a:fld>
             <a:endParaRPr lang="en-US" dirty="0"/>
           </a:p>
@@ -2065,7 +2065,7 @@
             <a:fld id="{1D8BD707-D9CF-40AE-B4C6-C98DA3205C09}" type="datetimeFigureOut">
               <a:rPr lang="en-US" smtClean="0"/>
               <a:pPr/>
-              <a:t>6/14/2016</a:t>
+              <a:t>6/17/2016</a:t>
             </a:fld>
             <a:endParaRPr lang="en-US" dirty="0"/>
           </a:p>
@@ -2494,7 +2494,7 @@
             <a:fld id="{1D8BD707-D9CF-40AE-B4C6-C98DA3205C09}" type="datetimeFigureOut">
               <a:rPr lang="en-US" smtClean="0"/>
               <a:pPr/>
-              <a:t>6/14/2016</a:t>
+              <a:t>6/17/2016</a:t>
             </a:fld>
             <a:endParaRPr lang="en-US" dirty="0"/>
           </a:p>
@@ -2614,7 +2614,7 @@
             <a:fld id="{1D8BD707-D9CF-40AE-B4C6-C98DA3205C09}" type="datetimeFigureOut">
               <a:rPr lang="en-US" smtClean="0"/>
               <a:pPr/>
-              <a:t>6/14/2016</a:t>
+              <a:t>6/17/2016</a:t>
             </a:fld>
             <a:endParaRPr lang="en-US" dirty="0"/>
           </a:p>
@@ -2711,7 +2711,7 @@
             <a:fld id="{1D8BD707-D9CF-40AE-B4C6-C98DA3205C09}" type="datetimeFigureOut">
               <a:rPr lang="en-US" smtClean="0"/>
               <a:pPr/>
-              <a:t>6/14/2016</a:t>
+              <a:t>6/17/2016</a:t>
             </a:fld>
             <a:endParaRPr lang="en-US" dirty="0"/>
           </a:p>
@@ -2990,7 +2990,7 @@
             <a:fld id="{1D8BD707-D9CF-40AE-B4C6-C98DA3205C09}" type="datetimeFigureOut">
               <a:rPr lang="en-US" smtClean="0"/>
               <a:pPr/>
-              <a:t>6/14/2016</a:t>
+              <a:t>6/17/2016</a:t>
             </a:fld>
             <a:endParaRPr lang="en-US" dirty="0"/>
           </a:p>
@@ -3245,7 +3245,7 @@
             <a:fld id="{1D8BD707-D9CF-40AE-B4C6-C98DA3205C09}" type="datetimeFigureOut">
               <a:rPr lang="en-US" smtClean="0"/>
               <a:pPr/>
-              <a:t>6/14/2016</a:t>
+              <a:t>6/17/2016</a:t>
             </a:fld>
             <a:endParaRPr lang="en-US" dirty="0"/>
           </a:p>
@@ -3460,7 +3460,7 @@
             <a:fld id="{1D8BD707-D9CF-40AE-B4C6-C98DA3205C09}" type="datetimeFigureOut">
               <a:rPr lang="en-US" smtClean="0"/>
               <a:pPr/>
-              <a:t>6/14/2016</a:t>
+              <a:t>6/17/2016</a:t>
             </a:fld>
             <a:endParaRPr lang="en-US" dirty="0"/>
           </a:p>
@@ -4179,31 +4179,7 @@
             </a:pPr>
             <a:r>
               <a:rPr lang="en-US" sz="1200" dirty="0"/>
-              <a:t>A file output stream is an output stream for writing data to a </a:t>
-            </a:r>
-            <a:r>
-              <a:rPr lang="en-US" sz="1200" dirty="0"/>
-              <a:t>File</a:t>
-            </a:r>
-            <a:r>
-              <a:rPr lang="en-US" sz="1200" dirty="0"/>
-              <a:t> or to a </a:t>
-            </a:r>
-            <a:r>
-              <a:rPr lang="en-US" sz="1200" dirty="0"/>
-              <a:t>FileDescriptor</a:t>
-            </a:r>
-            <a:r>
-              <a:rPr lang="en-US" sz="1200" dirty="0"/>
-              <a:t>. Whether or not a file is available or may be created depends upon the underlying platform. Some platforms, in particular, allow a file to be opened for writing by only one </a:t>
-            </a:r>
-            <a:r>
-              <a:rPr lang="en-US" sz="1200" dirty="0"/>
-              <a:t>FileOutputStream</a:t>
-            </a:r>
-            <a:r>
-              <a:rPr lang="en-US" sz="1200" dirty="0"/>
-              <a:t> (or other file-writing object) at a time. In such situations the constructors in this class will fail if the file involved is already open</a:t>
+              <a:t>A file output stream is an output stream for writing data to a File or to a FileDescriptor. Whether or not a file is available or may be created depends upon the underlying platform. Some platforms, in particular, allow a file to be opened for writing by only one FileOutputStream (or other file-writing object) at a time. In such situations the constructors in this class will fail if the file involved is already open</a:t>
             </a:r>
             <a:r>
               <a:rPr lang="en-US" sz="1200" dirty="0" smtClean="0"/>
@@ -4839,8 +4815,9 @@
           <a:p>
             <a:r>
               <a:rPr lang="en-US" dirty="0"/>
-              <a:t>https://docs.oracle.com/javase/8/docs/api/index.html?java/io/OutputStream.html</a:t>
-            </a:r>
+              <a:t>https://docs.oracle.com/javase/8/docs/api/java/io/FileOutputStream.html</a:t>
+            </a:r>
+            <a:endParaRPr lang="en-US" dirty="0"/>
           </a:p>
         </p:txBody>
       </p:sp>
